--- a/Day3/spring-boot-database.pptx
+++ b/Day3/spring-boot-database.pptx
@@ -29,6 +29,8 @@
     <p:sldId id="273" r:id="rId22"/>
     <p:sldId id="274" r:id="rId23"/>
     <p:sldId id="275" r:id="rId24"/>
+    <p:sldId id="276" r:id="rId25"/>
+    <p:sldId id="277" r:id="rId26"/>
   </p:sldIdLst>
   <p:sldSz cx="9144000" cy="6858000"/>
   <p:notesSz cx="6858000" cy="9144000"/>
@@ -81,25 +83,7 @@
               <a:rPr b="0" lang="en-US" sz="4400" spc="-1" strike="noStrike">
                 <a:latin typeface="Arial"/>
               </a:rPr>
-              <a:t>Click to </a:t>
-            </a:r>
-            <a:r>
-              <a:rPr b="0" lang="en-US" sz="4400" spc="-1" strike="noStrike">
-                <a:latin typeface="Arial"/>
-              </a:rPr>
-              <a:t>move </a:t>
-            </a:r>
-            <a:r>
-              <a:rPr b="0" lang="en-US" sz="4400" spc="-1" strike="noStrike">
-                <a:latin typeface="Arial"/>
-              </a:rPr>
-              <a:t>the </a:t>
-            </a:r>
-            <a:r>
-              <a:rPr b="0" lang="en-US" sz="4400" spc="-1" strike="noStrike">
-                <a:latin typeface="Arial"/>
-              </a:rPr>
-              <a:t>slide</a:t>
+              <a:t>Click to move the slide</a:t>
             </a:r>
             <a:endParaRPr b="0" lang="en-US" sz="4400" spc="-1" strike="noStrike">
               <a:latin typeface="Arial"/>
@@ -135,13 +119,7 @@
               <a:rPr b="0" lang="en-US" sz="2000" spc="-1" strike="noStrike">
                 <a:latin typeface="Arial"/>
               </a:rPr>
-              <a:t>Click to edit the </a:t>
-            </a:r>
-            <a:r>
-              <a:rPr b="0" lang="en-US" sz="2000" spc="-1" strike="noStrike">
-                <a:latin typeface="Arial"/>
-              </a:rPr>
-              <a:t>notes format</a:t>
+              <a:t>Click to edit the notes format</a:t>
             </a:r>
             <a:endParaRPr b="0" lang="en-US" sz="2000" spc="-1" strike="noStrike">
               <a:latin typeface="Arial"/>
@@ -283,7 +261,7 @@
           </a:bodyPr>
           <a:p>
             <a:pPr algn="r"/>
-            <a:fld id="{19716B9C-6D25-4E3A-A0A4-5EF637C428E8}" type="slidenum">
+            <a:fld id="{F3AA7533-0D5F-4DB8-8AC7-61564693CCE4}" type="slidenum">
               <a:rPr b="0" lang="en-US" sz="1400" spc="-1" strike="noStrike">
                 <a:latin typeface="Times New Roman"/>
               </a:rPr>
@@ -320,7 +298,7 @@
       </p:grpSpPr>
       <p:sp>
         <p:nvSpPr>
-          <p:cNvPr id="116" name="PlaceHolder 1"/>
+          <p:cNvPr id="119" name="PlaceHolder 1"/>
           <p:cNvSpPr>
             <a:spLocks noGrp="1"/>
           </p:cNvSpPr>
@@ -331,16 +309,16 @@
         <p:spPr>
           <a:xfrm>
             <a:off x="1371600" y="1143000"/>
-            <a:ext cx="4112640" cy="3084120"/>
-          </a:xfrm>
-          <a:prstGeom prst="rect">
-            <a:avLst/>
-          </a:prstGeom>
-        </p:spPr>
-      </p:sp>
-      <p:sp>
-        <p:nvSpPr>
-          <p:cNvPr id="117" name="PlaceHolder 2"/>
+            <a:ext cx="4112280" cy="3083760"/>
+          </a:xfrm>
+          <a:prstGeom prst="rect">
+            <a:avLst/>
+          </a:prstGeom>
+        </p:spPr>
+      </p:sp>
+      <p:sp>
+        <p:nvSpPr>
+          <p:cNvPr id="120" name="PlaceHolder 2"/>
           <p:cNvSpPr>
             <a:spLocks noGrp="1"/>
           </p:cNvSpPr>
@@ -351,7 +329,7 @@
         <p:spPr>
           <a:xfrm>
             <a:off x="685800" y="4400640"/>
-            <a:ext cx="5484240" cy="3598200"/>
+            <a:ext cx="5483880" cy="3597840"/>
           </a:xfrm>
           <a:prstGeom prst="rect">
             <a:avLst/>
@@ -370,14 +348,14 @@
       </p:sp>
       <p:sp>
         <p:nvSpPr>
-          <p:cNvPr id="118" name="CustomShape 3"/>
+          <p:cNvPr id="121" name="CustomShape 3"/>
           <p:cNvSpPr/>
           <p:nvPr/>
         </p:nvSpPr>
         <p:spPr>
           <a:xfrm>
             <a:off x="3884760" y="8685360"/>
-            <a:ext cx="2969640" cy="456480"/>
+            <a:ext cx="2969280" cy="456120"/>
           </a:xfrm>
           <a:prstGeom prst="rect">
             <a:avLst/>
@@ -403,7 +381,7 @@
                 <a:spcPct val="100000"/>
               </a:lnSpc>
             </a:pPr>
-            <a:fld id="{2FC6EB68-DDEA-4D3D-91F6-73345FF05172}" type="slidenum">
+            <a:fld id="{E4E2D74E-F668-4B98-8B7A-9A3428E8BBF3}" type="slidenum">
               <a:rPr b="0" lang="en-US" sz="1200" spc="-1" strike="noStrike">
                 <a:solidFill>
                   <a:srgbClr val="000000"/>
@@ -411,7 +389,7 @@
                 <a:latin typeface="+mn-lt"/>
                 <a:ea typeface="+mn-ea"/>
               </a:rPr>
-              <a:t>1</a:t>
+              <a:t>&lt;number&gt;</a:t>
             </a:fld>
             <a:endParaRPr b="0" lang="en-US" sz="1200" spc="-1" strike="noStrike">
               <a:latin typeface="Arial"/>
@@ -443,7 +421,7 @@
       </p:grpSpPr>
       <p:sp>
         <p:nvSpPr>
-          <p:cNvPr id="110" name="PlaceHolder 1"/>
+          <p:cNvPr id="113" name="PlaceHolder 1"/>
           <p:cNvSpPr>
             <a:spLocks noGrp="1"/>
           </p:cNvSpPr>
@@ -454,16 +432,16 @@
         <p:spPr>
           <a:xfrm>
             <a:off x="1371600" y="1143000"/>
-            <a:ext cx="4112640" cy="3084120"/>
-          </a:xfrm>
-          <a:prstGeom prst="rect">
-            <a:avLst/>
-          </a:prstGeom>
-        </p:spPr>
-      </p:sp>
-      <p:sp>
-        <p:nvSpPr>
-          <p:cNvPr id="111" name="PlaceHolder 2"/>
+            <a:ext cx="4112280" cy="3083760"/>
+          </a:xfrm>
+          <a:prstGeom prst="rect">
+            <a:avLst/>
+          </a:prstGeom>
+        </p:spPr>
+      </p:sp>
+      <p:sp>
+        <p:nvSpPr>
+          <p:cNvPr id="114" name="PlaceHolder 2"/>
           <p:cNvSpPr>
             <a:spLocks noGrp="1"/>
           </p:cNvSpPr>
@@ -474,7 +452,7 @@
         <p:spPr>
           <a:xfrm>
             <a:off x="685800" y="4400640"/>
-            <a:ext cx="5484240" cy="3598200"/>
+            <a:ext cx="5483880" cy="3597840"/>
           </a:xfrm>
           <a:prstGeom prst="rect">
             <a:avLst/>
@@ -493,14 +471,14 @@
       </p:sp>
       <p:sp>
         <p:nvSpPr>
-          <p:cNvPr id="112" name="CustomShape 3"/>
+          <p:cNvPr id="115" name="CustomShape 3"/>
           <p:cNvSpPr/>
           <p:nvPr/>
         </p:nvSpPr>
         <p:spPr>
           <a:xfrm>
             <a:off x="3884760" y="8685360"/>
-            <a:ext cx="2969640" cy="456480"/>
+            <a:ext cx="2969280" cy="456120"/>
           </a:xfrm>
           <a:prstGeom prst="rect">
             <a:avLst/>
@@ -526,7 +504,7 @@
                 <a:spcPct val="100000"/>
               </a:lnSpc>
             </a:pPr>
-            <a:fld id="{236FB504-2877-46EE-AFF2-D511011014C3}" type="slidenum">
+            <a:fld id="{AFEF4410-3E1C-42C6-B195-BB80C4C2DE5F}" type="slidenum">
               <a:rPr b="0" lang="en-US" sz="1200" spc="-1" strike="noStrike">
                 <a:solidFill>
                   <a:srgbClr val="000000"/>
@@ -534,7 +512,7 @@
                 <a:latin typeface="+mn-lt"/>
                 <a:ea typeface="+mn-ea"/>
               </a:rPr>
-              <a:t>1</a:t>
+              <a:t>&lt;number&gt;</a:t>
             </a:fld>
             <a:endParaRPr b="0" lang="en-US" sz="1200" spc="-1" strike="noStrike">
               <a:latin typeface="Arial"/>
@@ -566,7 +544,7 @@
       </p:grpSpPr>
       <p:sp>
         <p:nvSpPr>
-          <p:cNvPr id="113" name="PlaceHolder 1"/>
+          <p:cNvPr id="116" name="PlaceHolder 1"/>
           <p:cNvSpPr>
             <a:spLocks noGrp="1"/>
           </p:cNvSpPr>
@@ -577,16 +555,16 @@
         <p:spPr>
           <a:xfrm>
             <a:off x="1371600" y="1143000"/>
-            <a:ext cx="4112640" cy="3084120"/>
-          </a:xfrm>
-          <a:prstGeom prst="rect">
-            <a:avLst/>
-          </a:prstGeom>
-        </p:spPr>
-      </p:sp>
-      <p:sp>
-        <p:nvSpPr>
-          <p:cNvPr id="114" name="PlaceHolder 2"/>
+            <a:ext cx="4112280" cy="3083760"/>
+          </a:xfrm>
+          <a:prstGeom prst="rect">
+            <a:avLst/>
+          </a:prstGeom>
+        </p:spPr>
+      </p:sp>
+      <p:sp>
+        <p:nvSpPr>
+          <p:cNvPr id="117" name="PlaceHolder 2"/>
           <p:cNvSpPr>
             <a:spLocks noGrp="1"/>
           </p:cNvSpPr>
@@ -597,7 +575,7 @@
         <p:spPr>
           <a:xfrm>
             <a:off x="685800" y="4400640"/>
-            <a:ext cx="5484240" cy="3598200"/>
+            <a:ext cx="5483880" cy="3597840"/>
           </a:xfrm>
           <a:prstGeom prst="rect">
             <a:avLst/>
@@ -616,14 +594,14 @@
       </p:sp>
       <p:sp>
         <p:nvSpPr>
-          <p:cNvPr id="115" name="CustomShape 3"/>
+          <p:cNvPr id="118" name="CustomShape 3"/>
           <p:cNvSpPr/>
           <p:nvPr/>
         </p:nvSpPr>
         <p:spPr>
           <a:xfrm>
             <a:off x="3884760" y="8685360"/>
-            <a:ext cx="2969640" cy="456480"/>
+            <a:ext cx="2969280" cy="456120"/>
           </a:xfrm>
           <a:prstGeom prst="rect">
             <a:avLst/>
@@ -649,7 +627,7 @@
                 <a:spcPct val="100000"/>
               </a:lnSpc>
             </a:pPr>
-            <a:fld id="{E2238C44-E18E-43B3-9E1F-6EEB7AB16094}" type="slidenum">
+            <a:fld id="{7B8C0C97-692E-46E9-B185-66502ADDDEBA}" type="slidenum">
               <a:rPr b="0" lang="en-US" sz="1200" spc="-1" strike="noStrike">
                 <a:solidFill>
                   <a:srgbClr val="000000"/>
@@ -657,7 +635,7 @@
                 <a:latin typeface="+mn-lt"/>
                 <a:ea typeface="+mn-ea"/>
               </a:rPr>
-              <a:t>1</a:t>
+              <a:t>&lt;number&gt;</a:t>
             </a:fld>
             <a:endParaRPr b="0" lang="en-US" sz="1200" spc="-1" strike="noStrike">
               <a:latin typeface="Arial"/>
@@ -3435,49 +3413,13 @@
               <a:rPr b="0" lang="en-US" sz="4400" spc="-1" strike="noStrike">
                 <a:latin typeface="Arial"/>
               </a:rPr>
-              <a:t>Click </a:t>
+              <a:t>Click to edit the </a:t>
             </a:r>
             <a:r>
               <a:rPr b="0" lang="en-US" sz="4400" spc="-1" strike="noStrike">
                 <a:latin typeface="Arial"/>
               </a:rPr>
-              <a:t>to </a:t>
-            </a:r>
-            <a:r>
-              <a:rPr b="0" lang="en-US" sz="4400" spc="-1" strike="noStrike">
-                <a:latin typeface="Arial"/>
-              </a:rPr>
-              <a:t>edit </a:t>
-            </a:r>
-            <a:r>
-              <a:rPr b="0" lang="en-US" sz="4400" spc="-1" strike="noStrike">
-                <a:latin typeface="Arial"/>
-              </a:rPr>
-              <a:t>the </a:t>
-            </a:r>
-            <a:r>
-              <a:rPr b="0" lang="en-US" sz="4400" spc="-1" strike="noStrike">
-                <a:latin typeface="Arial"/>
-              </a:rPr>
-              <a:t>title </a:t>
-            </a:r>
-            <a:r>
-              <a:rPr b="0" lang="en-US" sz="4400" spc="-1" strike="noStrike">
-                <a:latin typeface="Arial"/>
-              </a:rPr>
-              <a:t>text </a:t>
-            </a:r>
-            <a:r>
-              <a:rPr b="0" lang="en-US" sz="4400" spc="-1" strike="noStrike">
-                <a:latin typeface="Arial"/>
-              </a:rPr>
-              <a:t>form</a:t>
-            </a:r>
-            <a:r>
-              <a:rPr b="0" lang="en-US" sz="4400" spc="-1" strike="noStrike">
-                <a:latin typeface="Arial"/>
-              </a:rPr>
-              <a:t>at</a:t>
+              <a:t>title text format</a:t>
             </a:r>
             <a:endParaRPr b="0" lang="en-US" sz="4400" spc="-1" strike="noStrike">
               <a:latin typeface="Arial"/>
@@ -3737,49 +3679,7 @@
               <a:rPr b="0" lang="en-US" sz="4400" spc="-1" strike="noStrike">
                 <a:latin typeface="Arial"/>
               </a:rPr>
-              <a:t>Click </a:t>
-            </a:r>
-            <a:r>
-              <a:rPr b="0" lang="en-US" sz="4400" spc="-1" strike="noStrike">
-                <a:latin typeface="Arial"/>
-              </a:rPr>
-              <a:t>to </a:t>
-            </a:r>
-            <a:r>
-              <a:rPr b="0" lang="en-US" sz="4400" spc="-1" strike="noStrike">
-                <a:latin typeface="Arial"/>
-              </a:rPr>
-              <a:t>edit </a:t>
-            </a:r>
-            <a:r>
-              <a:rPr b="0" lang="en-US" sz="4400" spc="-1" strike="noStrike">
-                <a:latin typeface="Arial"/>
-              </a:rPr>
-              <a:t>the </a:t>
-            </a:r>
-            <a:r>
-              <a:rPr b="0" lang="en-US" sz="4400" spc="-1" strike="noStrike">
-                <a:latin typeface="Arial"/>
-              </a:rPr>
-              <a:t>title </a:t>
-            </a:r>
-            <a:r>
-              <a:rPr b="0" lang="en-US" sz="4400" spc="-1" strike="noStrike">
-                <a:latin typeface="Arial"/>
-              </a:rPr>
-              <a:t>text </a:t>
-            </a:r>
-            <a:r>
-              <a:rPr b="0" lang="en-US" sz="4400" spc="-1" strike="noStrike">
-                <a:latin typeface="Arial"/>
-              </a:rPr>
-              <a:t>form</a:t>
-            </a:r>
-            <a:r>
-              <a:rPr b="0" lang="en-US" sz="4400" spc="-1" strike="noStrike">
-                <a:latin typeface="Arial"/>
-              </a:rPr>
-              <a:t>at</a:t>
+              <a:t>Click to edit the title text format</a:t>
             </a:r>
             <a:endParaRPr b="0" lang="en-US" sz="4400" spc="-1" strike="noStrike">
               <a:latin typeface="Arial"/>
@@ -4012,7 +3912,7 @@
         <p:spPr>
           <a:xfrm>
             <a:off x="611640" y="2441520"/>
-            <a:ext cx="7770240" cy="1467720"/>
+            <a:ext cx="7769880" cy="1467360"/>
           </a:xfrm>
           <a:prstGeom prst="rect">
             <a:avLst/>
@@ -4063,7 +3963,7 @@
         <p:spPr>
           <a:xfrm>
             <a:off x="155520" y="-144360"/>
-            <a:ext cx="302760" cy="302760"/>
+            <a:ext cx="302400" cy="302400"/>
           </a:xfrm>
           <a:prstGeom prst="rect">
             <a:avLst/>
@@ -4093,7 +3993,7 @@
         <p:spPr>
           <a:xfrm>
             <a:off x="68760" y="90000"/>
-            <a:ext cx="2856240" cy="731880"/>
+            <a:ext cx="2855880" cy="731520"/>
           </a:xfrm>
           <a:prstGeom prst="rect">
             <a:avLst/>
@@ -4135,14 +4035,14 @@
       </p:grpSpPr>
       <p:sp>
         <p:nvSpPr>
-          <p:cNvPr id="96" name="TextShape 1"/>
-          <p:cNvSpPr txBox="1"/>
+          <p:cNvPr id="96" name="CustomShape 1"/>
+          <p:cNvSpPr/>
           <p:nvPr/>
         </p:nvSpPr>
         <p:spPr>
           <a:xfrm>
             <a:off x="2322000" y="1738800"/>
-            <a:ext cx="4568400" cy="3418200"/>
+            <a:ext cx="4568040" cy="3417840"/>
           </a:xfrm>
           <a:prstGeom prst="rect">
             <a:avLst/>
@@ -4152,11 +4052,22 @@
             <a:noFill/>
           </a:ln>
         </p:spPr>
+        <p:style>
+          <a:lnRef idx="0"/>
+          <a:fillRef idx="0"/>
+          <a:effectRef idx="0"/>
+          <a:fontRef idx="minor"/>
+        </p:style>
         <p:txBody>
           <a:bodyPr lIns="90000" rIns="90000" tIns="45000" bIns="45000">
             <a:noAutofit/>
           </a:bodyPr>
           <a:p>
+            <a:pPr>
+              <a:lnSpc>
+                <a:spcPct val="100000"/>
+              </a:lnSpc>
+            </a:pPr>
             <a:r>
               <a:rPr b="0" lang="en-US" sz="1800" spc="-1" strike="noStrike">
                 <a:solidFill>
@@ -4172,6 +4083,11 @@
             </a:endParaRPr>
           </a:p>
           <a:p>
+            <a:pPr>
+              <a:lnSpc>
+                <a:spcPct val="100000"/>
+              </a:lnSpc>
+            </a:pPr>
             <a:r>
               <a:rPr b="0" lang="en-US" sz="1800" spc="-1" strike="noStrike">
                 <a:solidFill>
@@ -4187,11 +4103,21 @@
             </a:endParaRPr>
           </a:p>
           <a:p>
+            <a:pPr>
+              <a:lnSpc>
+                <a:spcPct val="100000"/>
+              </a:lnSpc>
+            </a:pPr>
             <a:endParaRPr b="0" lang="en-US" sz="1800" spc="-1" strike="noStrike">
               <a:latin typeface="Arial"/>
             </a:endParaRPr>
           </a:p>
           <a:p>
+            <a:pPr>
+              <a:lnSpc>
+                <a:spcPct val="100000"/>
+              </a:lnSpc>
+            </a:pPr>
             <a:r>
               <a:rPr b="0" lang="en-US" sz="1800" spc="-1" strike="noStrike">
                 <a:solidFill>
@@ -4207,11 +4133,21 @@
             </a:endParaRPr>
           </a:p>
           <a:p>
+            <a:pPr>
+              <a:lnSpc>
+                <a:spcPct val="100000"/>
+              </a:lnSpc>
+            </a:pPr>
             <a:endParaRPr b="0" lang="en-US" sz="1800" spc="-1" strike="noStrike">
               <a:latin typeface="Arial"/>
             </a:endParaRPr>
           </a:p>
           <a:p>
+            <a:pPr>
+              <a:lnSpc>
+                <a:spcPct val="100000"/>
+              </a:lnSpc>
+            </a:pPr>
             <a:r>
               <a:rPr b="0" lang="en-US" sz="1800" spc="-1" strike="noStrike">
                 <a:solidFill>
@@ -4227,6 +4163,11 @@
             </a:endParaRPr>
           </a:p>
           <a:p>
+            <a:pPr>
+              <a:lnSpc>
+                <a:spcPct val="100000"/>
+              </a:lnSpc>
+            </a:pPr>
             <a:r>
               <a:rPr b="0" lang="en-US" sz="1800" spc="-1" strike="noStrike">
                 <a:solidFill>
@@ -4242,6 +4183,11 @@
             </a:endParaRPr>
           </a:p>
           <a:p>
+            <a:pPr>
+              <a:lnSpc>
+                <a:spcPct val="100000"/>
+              </a:lnSpc>
+            </a:pPr>
             <a:r>
               <a:rPr b="0" lang="en-US" sz="1800" spc="-1" strike="noStrike">
                 <a:solidFill>
@@ -4257,6 +4203,11 @@
             </a:endParaRPr>
           </a:p>
           <a:p>
+            <a:pPr>
+              <a:lnSpc>
+                <a:spcPct val="100000"/>
+              </a:lnSpc>
+            </a:pPr>
             <a:r>
               <a:rPr b="0" lang="en-US" sz="1800" spc="-1" strike="noStrike">
                 <a:solidFill>
@@ -4272,6 +4223,11 @@
             </a:endParaRPr>
           </a:p>
           <a:p>
+            <a:pPr>
+              <a:lnSpc>
+                <a:spcPct val="100000"/>
+              </a:lnSpc>
+            </a:pPr>
             <a:r>
               <a:rPr b="0" lang="en-US" sz="1800" spc="-1" strike="noStrike">
                 <a:solidFill>
@@ -4287,11 +4243,21 @@
             </a:endParaRPr>
           </a:p>
           <a:p>
+            <a:pPr>
+              <a:lnSpc>
+                <a:spcPct val="100000"/>
+              </a:lnSpc>
+            </a:pPr>
             <a:endParaRPr b="0" lang="en-US" sz="1800" spc="-1" strike="noStrike">
               <a:latin typeface="Arial"/>
             </a:endParaRPr>
           </a:p>
           <a:p>
+            <a:pPr>
+              <a:lnSpc>
+                <a:spcPct val="100000"/>
+              </a:lnSpc>
+            </a:pPr>
             <a:r>
               <a:rPr b="0" lang="en-US" sz="1800" spc="-1" strike="noStrike">
                 <a:solidFill>
@@ -4307,6 +4273,11 @@
             </a:endParaRPr>
           </a:p>
           <a:p>
+            <a:pPr>
+              <a:lnSpc>
+                <a:spcPct val="100000"/>
+              </a:lnSpc>
+            </a:pPr>
             <a:r>
               <a:rPr b="0" lang="en-US" sz="1800" spc="-1" strike="noStrike">
                 <a:solidFill>
@@ -4325,14 +4296,14 @@
       </p:sp>
       <p:sp>
         <p:nvSpPr>
-          <p:cNvPr id="97" name="TextShape 2"/>
-          <p:cNvSpPr txBox="1"/>
+          <p:cNvPr id="97" name="CustomShape 2"/>
+          <p:cNvSpPr/>
           <p:nvPr/>
         </p:nvSpPr>
         <p:spPr>
           <a:xfrm>
             <a:off x="457200" y="1005840"/>
-            <a:ext cx="7663680" cy="346320"/>
+            <a:ext cx="7663320" cy="345960"/>
           </a:xfrm>
           <a:prstGeom prst="rect">
             <a:avLst/>
@@ -4342,11 +4313,22 @@
             <a:noFill/>
           </a:ln>
         </p:spPr>
+        <p:style>
+          <a:lnRef idx="0"/>
+          <a:fillRef idx="0"/>
+          <a:effectRef idx="0"/>
+          <a:fontRef idx="minor"/>
+        </p:style>
         <p:txBody>
           <a:bodyPr lIns="90000" rIns="90000" tIns="45000" bIns="45000">
             <a:noAutofit/>
           </a:bodyPr>
           <a:p>
+            <a:pPr>
+              <a:lnSpc>
+                <a:spcPct val="100000"/>
+              </a:lnSpc>
+            </a:pPr>
             <a:r>
               <a:rPr b="0" lang="en-US" sz="1800" spc="-1" strike="noStrike">
                 <a:latin typeface="Arial"/>
@@ -4391,14 +4373,14 @@
       </p:grpSpPr>
       <p:sp>
         <p:nvSpPr>
-          <p:cNvPr id="98" name="TextShape 1"/>
-          <p:cNvSpPr txBox="1"/>
+          <p:cNvPr id="98" name="CustomShape 1"/>
+          <p:cNvSpPr/>
           <p:nvPr/>
         </p:nvSpPr>
         <p:spPr>
           <a:xfrm>
             <a:off x="1371600" y="1005840"/>
-            <a:ext cx="2475720" cy="346320"/>
+            <a:ext cx="2475360" cy="345960"/>
           </a:xfrm>
           <a:prstGeom prst="rect">
             <a:avLst/>
@@ -4408,11 +4390,22 @@
             <a:noFill/>
           </a:ln>
         </p:spPr>
+        <p:style>
+          <a:lnRef idx="0"/>
+          <a:fillRef idx="0"/>
+          <a:effectRef idx="0"/>
+          <a:fontRef idx="minor"/>
+        </p:style>
         <p:txBody>
           <a:bodyPr lIns="90000" rIns="90000" tIns="45000" bIns="45000">
             <a:noAutofit/>
           </a:bodyPr>
           <a:p>
+            <a:pPr>
+              <a:lnSpc>
+                <a:spcPct val="100000"/>
+              </a:lnSpc>
+            </a:pPr>
             <a:r>
               <a:rPr b="0" lang="en-US" sz="1800" spc="-1" strike="noStrike">
                 <a:latin typeface="Arial"/>
@@ -4438,7 +4431,7 @@
         <p:spPr>
           <a:xfrm>
             <a:off x="1920240" y="1554480"/>
-            <a:ext cx="4389120" cy="3299400"/>
+            <a:ext cx="4388760" cy="3299040"/>
           </a:xfrm>
           <a:prstGeom prst="rect">
             <a:avLst/>
@@ -4487,7 +4480,7 @@
         <p:spPr>
           <a:xfrm>
             <a:off x="2427120" y="3136320"/>
-            <a:ext cx="4357440" cy="622080"/>
+            <a:ext cx="4357080" cy="621720"/>
           </a:xfrm>
           <a:prstGeom prst="rect">
             <a:avLst/>
@@ -4521,137 +4514,7 @@
                 <a:latin typeface="Claire Hand"/>
                 <a:ea typeface="DejaVu Sans"/>
               </a:rPr>
-              <a:t>C</a:t>
-            </a:r>
-            <a:r>
-              <a:rPr b="0" lang="en-US" sz="3600" spc="-1" strike="noStrike">
-                <a:solidFill>
-                  <a:srgbClr val="000000"/>
-                </a:solidFill>
-                <a:latin typeface="Claire Hand"/>
-                <a:ea typeface="DejaVu Sans"/>
-              </a:rPr>
-              <a:t>o</a:t>
-            </a:r>
-            <a:r>
-              <a:rPr b="0" lang="en-US" sz="3600" spc="-1" strike="noStrike">
-                <a:solidFill>
-                  <a:srgbClr val="000000"/>
-                </a:solidFill>
-                <a:latin typeface="Claire Hand"/>
-                <a:ea typeface="DejaVu Sans"/>
-              </a:rPr>
-              <a:t>d</a:t>
-            </a:r>
-            <a:r>
-              <a:rPr b="0" lang="en-US" sz="3600" spc="-1" strike="noStrike">
-                <a:solidFill>
-                  <a:srgbClr val="000000"/>
-                </a:solidFill>
-                <a:latin typeface="Claire Hand"/>
-                <a:ea typeface="DejaVu Sans"/>
-              </a:rPr>
-              <a:t>e</a:t>
-            </a:r>
-            <a:r>
-              <a:rPr b="0" lang="en-US" sz="3600" spc="-1" strike="noStrike">
-                <a:solidFill>
-                  <a:srgbClr val="000000"/>
-                </a:solidFill>
-                <a:latin typeface="Claire Hand"/>
-                <a:ea typeface="DejaVu Sans"/>
-              </a:rPr>
-              <a:t> </a:t>
-            </a:r>
-            <a:r>
-              <a:rPr b="0" lang="en-US" sz="3600" spc="-1" strike="noStrike">
-                <a:solidFill>
-                  <a:srgbClr val="000000"/>
-                </a:solidFill>
-                <a:latin typeface="Claire Hand"/>
-                <a:ea typeface="DejaVu Sans"/>
-              </a:rPr>
-              <a:t>D</a:t>
-            </a:r>
-            <a:r>
-              <a:rPr b="0" lang="en-US" sz="3600" spc="-1" strike="noStrike">
-                <a:solidFill>
-                  <a:srgbClr val="000000"/>
-                </a:solidFill>
-                <a:latin typeface="Claire Hand"/>
-                <a:ea typeface="DejaVu Sans"/>
-              </a:rPr>
-              <a:t>e</a:t>
-            </a:r>
-            <a:r>
-              <a:rPr b="0" lang="en-US" sz="3600" spc="-1" strike="noStrike">
-                <a:solidFill>
-                  <a:srgbClr val="000000"/>
-                </a:solidFill>
-                <a:latin typeface="Claire Hand"/>
-                <a:ea typeface="DejaVu Sans"/>
-              </a:rPr>
-              <a:t>e</a:t>
-            </a:r>
-            <a:r>
-              <a:rPr b="0" lang="en-US" sz="3600" spc="-1" strike="noStrike">
-                <a:solidFill>
-                  <a:srgbClr val="000000"/>
-                </a:solidFill>
-                <a:latin typeface="Claire Hand"/>
-                <a:ea typeface="DejaVu Sans"/>
-              </a:rPr>
-              <a:t>p</a:t>
-            </a:r>
-            <a:r>
-              <a:rPr b="0" lang="en-US" sz="3600" spc="-1" strike="noStrike">
-                <a:solidFill>
-                  <a:srgbClr val="000000"/>
-                </a:solidFill>
-                <a:latin typeface="Claire Hand"/>
-                <a:ea typeface="DejaVu Sans"/>
-              </a:rPr>
-              <a:t> </a:t>
-            </a:r>
-            <a:r>
-              <a:rPr b="0" lang="en-US" sz="3600" spc="-1" strike="noStrike">
-                <a:solidFill>
-                  <a:srgbClr val="000000"/>
-                </a:solidFill>
-                <a:latin typeface="Claire Hand"/>
-                <a:ea typeface="DejaVu Sans"/>
-              </a:rPr>
-              <a:t>D</a:t>
-            </a:r>
-            <a:r>
-              <a:rPr b="0" lang="en-US" sz="3600" spc="-1" strike="noStrike">
-                <a:solidFill>
-                  <a:srgbClr val="000000"/>
-                </a:solidFill>
-                <a:latin typeface="Claire Hand"/>
-                <a:ea typeface="DejaVu Sans"/>
-              </a:rPr>
-              <a:t>i</a:t>
-            </a:r>
-            <a:r>
-              <a:rPr b="0" lang="en-US" sz="3600" spc="-1" strike="noStrike">
-                <a:solidFill>
-                  <a:srgbClr val="000000"/>
-                </a:solidFill>
-                <a:latin typeface="Claire Hand"/>
-                <a:ea typeface="DejaVu Sans"/>
-              </a:rPr>
-              <a:t>v</a:t>
-            </a:r>
-            <a:r>
-              <a:rPr b="0" lang="en-US" sz="3600" spc="-1" strike="noStrike">
-                <a:solidFill>
-                  <a:srgbClr val="000000"/>
-                </a:solidFill>
-                <a:latin typeface="Claire Hand"/>
-                <a:ea typeface="DejaVu Sans"/>
-              </a:rPr>
-              <a:t>e</a:t>
+              <a:t>Code Deep Dive</a:t>
             </a:r>
             <a:endParaRPr b="0" lang="en-US" sz="3600" spc="-1" strike="noStrike">
               <a:latin typeface="Arial"/>
@@ -4702,7 +4565,7 @@
         <p:spPr>
           <a:xfrm>
             <a:off x="34200" y="1463040"/>
-            <a:ext cx="9143640" cy="3206520"/>
+            <a:ext cx="9143280" cy="3206160"/>
           </a:xfrm>
           <a:prstGeom prst="rect">
             <a:avLst/>
@@ -4754,8 +4617,8 @@
         </p:blipFill>
         <p:spPr>
           <a:xfrm rot="12000">
-            <a:off x="282240" y="380520"/>
-            <a:ext cx="8578800" cy="4730400"/>
+            <a:off x="281880" y="380160"/>
+            <a:ext cx="8578440" cy="4730040"/>
           </a:xfrm>
           <a:prstGeom prst="rect">
             <a:avLst/>
@@ -4808,7 +4671,7 @@
         <p:spPr>
           <a:xfrm>
             <a:off x="1010520" y="447480"/>
-            <a:ext cx="6030360" cy="5861880"/>
+            <a:ext cx="6030000" cy="5861520"/>
           </a:xfrm>
           <a:prstGeom prst="rect">
             <a:avLst/>
@@ -4861,7 +4724,7 @@
         <p:spPr>
           <a:xfrm>
             <a:off x="182880" y="850320"/>
-            <a:ext cx="7722000" cy="1710000"/>
+            <a:ext cx="7721640" cy="1709640"/>
           </a:xfrm>
           <a:prstGeom prst="rect">
             <a:avLst/>
@@ -4914,7 +4777,7 @@
         <p:spPr>
           <a:xfrm>
             <a:off x="217080" y="1005840"/>
-            <a:ext cx="8561160" cy="3236400"/>
+            <a:ext cx="8560800" cy="3236040"/>
           </a:xfrm>
           <a:prstGeom prst="rect">
             <a:avLst/>
@@ -4967,7 +4830,7 @@
         <p:spPr>
           <a:xfrm>
             <a:off x="1054800" y="530280"/>
-            <a:ext cx="5986080" cy="5779800"/>
+            <a:ext cx="5985720" cy="5779440"/>
           </a:xfrm>
           <a:prstGeom prst="rect">
             <a:avLst/>
@@ -5020,7 +4883,7 @@
         <p:spPr>
           <a:xfrm>
             <a:off x="1030320" y="276840"/>
-            <a:ext cx="6434640" cy="3047400"/>
+            <a:ext cx="6434280" cy="3047040"/>
           </a:xfrm>
           <a:prstGeom prst="rect">
             <a:avLst/>
@@ -5042,8 +4905,8 @@
         </p:blipFill>
         <p:spPr>
           <a:xfrm rot="16200">
-            <a:off x="279720" y="3769200"/>
-            <a:ext cx="8675280" cy="2489040"/>
+            <a:off x="279360" y="3768840"/>
+            <a:ext cx="8674920" cy="2488680"/>
           </a:xfrm>
           <a:prstGeom prst="rect">
             <a:avLst/>
@@ -5096,7 +4959,7 @@
         <p:spPr>
           <a:xfrm>
             <a:off x="822960" y="1181520"/>
-            <a:ext cx="7391160" cy="3390480"/>
+            <a:ext cx="7390800" cy="3390120"/>
           </a:xfrm>
           <a:prstGeom prst="rect">
             <a:avLst/>
@@ -5108,14 +4971,14 @@
       </p:pic>
       <p:sp>
         <p:nvSpPr>
-          <p:cNvPr id="86" name="TextShape 1"/>
-          <p:cNvSpPr txBox="1"/>
+          <p:cNvPr id="86" name="CustomShape 1"/>
+          <p:cNvSpPr/>
           <p:nvPr/>
         </p:nvSpPr>
         <p:spPr>
           <a:xfrm>
             <a:off x="365760" y="4937760"/>
-            <a:ext cx="8361720" cy="232560"/>
+            <a:ext cx="8361360" cy="232200"/>
           </a:xfrm>
           <a:prstGeom prst="rect">
             <a:avLst/>
@@ -5125,43 +4988,34 @@
             <a:noFill/>
           </a:ln>
         </p:spPr>
+        <p:style>
+          <a:lnRef idx="0"/>
+          <a:fillRef idx="0"/>
+          <a:effectRef idx="0"/>
+          <a:fontRef idx="minor"/>
+        </p:style>
         <p:txBody>
           <a:bodyPr lIns="90000" rIns="90000" tIns="45000" bIns="45000">
             <a:noAutofit/>
           </a:bodyPr>
           <a:p>
+            <a:pPr>
+              <a:lnSpc>
+                <a:spcPct val="100000"/>
+              </a:lnSpc>
+            </a:pPr>
             <a:r>
               <a:rPr b="0" lang="en-US" sz="1000" spc="-1" strike="noStrike">
                 <a:latin typeface="Arial"/>
               </a:rPr>
-              <a:t>Cla</a:t>
+              <a:t>Classified as a </a:t>
             </a:r>
             <a:r>
-              <a:rPr b="0" lang="en-US" sz="1000" spc="-1" strike="noStrike">
-                <a:latin typeface="Arial"/>
-              </a:rPr>
-              <a:t>ssifi</a:t>
-            </a:r>
-            <a:r>
-              <a:rPr b="0" lang="en-US" sz="1000" spc="-1" strike="noStrike">
-                <a:latin typeface="Arial"/>
-              </a:rPr>
-              <a:t>ed </a:t>
-            </a:r>
-            <a:r>
-              <a:rPr b="0" lang="en-US" sz="1000" spc="-1" strike="noStrike">
-                <a:latin typeface="Arial"/>
-              </a:rPr>
-              <a:t>as </a:t>
-            </a:r>
-            <a:r>
-              <a:rPr b="0" lang="en-US" sz="1000" spc="-1" strike="noStrike">
-                <a:latin typeface="Arial"/>
-              </a:rPr>
-              <a:t>a </a:t>
-            </a:r>
-            <a:r>
-              <a:rPr b="0" lang="en-US" sz="1000" spc="-1" strike="noStrike">
+              <a:rPr b="0" lang="en-US" sz="1000" spc="-1" strike="noStrike" u="sng">
+                <a:solidFill>
+                  <a:srgbClr val="0000ff"/>
+                </a:solidFill>
+                <a:uFillTx/>
                 <a:latin typeface="Arial"/>
                 <a:hlinkClick r:id="rId2"/>
               </a:rPr>
@@ -5169,72 +5023,19 @@
             </a:r>
             <a:r>
               <a:rPr b="0" lang="en-US" sz="1000" spc="-1" strike="noStrike">
+                <a:solidFill>
+                  <a:srgbClr val="0000ff"/>
+                </a:solidFill>
                 <a:latin typeface="Arial"/>
               </a:rPr>
-              <a:t> dat</a:t>
+              <a:t> database program, MongoDB uses </a:t>
             </a:r>
             <a:r>
-              <a:rPr b="0" lang="en-US" sz="1000" spc="-1" strike="noStrike">
-                <a:latin typeface="Arial"/>
-              </a:rPr>
-              <a:t>aba</a:t>
-            </a:r>
-            <a:r>
-              <a:rPr b="0" lang="en-US" sz="1000" spc="-1" strike="noStrike">
-                <a:latin typeface="Arial"/>
-              </a:rPr>
-              <a:t>se </a:t>
-            </a:r>
-            <a:r>
-              <a:rPr b="0" lang="en-US" sz="1000" spc="-1" strike="noStrike">
-                <a:latin typeface="Arial"/>
-              </a:rPr>
-              <a:t>prog</a:t>
-            </a:r>
-            <a:r>
-              <a:rPr b="0" lang="en-US" sz="1000" spc="-1" strike="noStrike">
-                <a:latin typeface="Arial"/>
-              </a:rPr>
-              <a:t>ram</a:t>
-            </a:r>
-            <a:r>
-              <a:rPr b="0" lang="en-US" sz="1000" spc="-1" strike="noStrike">
-                <a:latin typeface="Arial"/>
-              </a:rPr>
-              <a:t>, </a:t>
-            </a:r>
-            <a:r>
-              <a:rPr b="0" lang="en-US" sz="1000" spc="-1" strike="noStrike">
-                <a:latin typeface="Arial"/>
-              </a:rPr>
-              <a:t>Mon</a:t>
-            </a:r>
-            <a:r>
-              <a:rPr b="0" lang="en-US" sz="1000" spc="-1" strike="noStrike">
-                <a:latin typeface="Arial"/>
-              </a:rPr>
-              <a:t>goD</a:t>
-            </a:r>
-            <a:r>
-              <a:rPr b="0" lang="en-US" sz="1000" spc="-1" strike="noStrike">
-                <a:latin typeface="Arial"/>
-              </a:rPr>
-              <a:t>B </a:t>
-            </a:r>
-            <a:r>
-              <a:rPr b="0" lang="en-US" sz="1000" spc="-1" strike="noStrike">
-                <a:latin typeface="Arial"/>
-              </a:rPr>
-              <a:t>use</a:t>
-            </a:r>
-            <a:r>
-              <a:rPr b="0" lang="en-US" sz="1000" spc="-1" strike="noStrike">
-                <a:latin typeface="Arial"/>
-              </a:rPr>
-              <a:t>s </a:t>
-            </a:r>
-            <a:r>
-              <a:rPr b="0" lang="en-US" sz="1000" spc="-1" strike="noStrike">
+              <a:rPr b="0" lang="en-US" sz="1000" spc="-1" strike="noStrike" u="sng">
+                <a:solidFill>
+                  <a:srgbClr val="0000ff"/>
+                </a:solidFill>
+                <a:uFillTx/>
                 <a:latin typeface="Arial"/>
                 <a:hlinkClick r:id="rId3"/>
               </a:rPr>
@@ -5242,54 +5043,19 @@
             </a:r>
             <a:r>
               <a:rPr b="0" lang="en-US" sz="1000" spc="-1" strike="noStrike">
+                <a:solidFill>
+                  <a:srgbClr val="0000ff"/>
+                </a:solidFill>
                 <a:latin typeface="Arial"/>
               </a:rPr>
-              <a:t>-like </a:t>
+              <a:t>-like documents with optional </a:t>
             </a:r>
             <a:r>
-              <a:rPr b="0" lang="en-US" sz="1000" spc="-1" strike="noStrike">
-                <a:latin typeface="Arial"/>
-              </a:rPr>
-              <a:t>doc</a:t>
-            </a:r>
-            <a:r>
-              <a:rPr b="0" lang="en-US" sz="1000" spc="-1" strike="noStrike">
-                <a:latin typeface="Arial"/>
-              </a:rPr>
-              <a:t>ume</a:t>
-            </a:r>
-            <a:r>
-              <a:rPr b="0" lang="en-US" sz="1000" spc="-1" strike="noStrike">
-                <a:latin typeface="Arial"/>
-              </a:rPr>
-              <a:t>nts </a:t>
-            </a:r>
-            <a:r>
-              <a:rPr b="0" lang="en-US" sz="1000" spc="-1" strike="noStrike">
-                <a:latin typeface="Arial"/>
-              </a:rPr>
-              <a:t>with </a:t>
-            </a:r>
-            <a:r>
-              <a:rPr b="0" lang="en-US" sz="1000" spc="-1" strike="noStrike">
-                <a:latin typeface="Arial"/>
-              </a:rPr>
-              <a:t>opti</a:t>
-            </a:r>
-            <a:r>
-              <a:rPr b="0" lang="en-US" sz="1000" spc="-1" strike="noStrike">
-                <a:latin typeface="Arial"/>
-              </a:rPr>
-              <a:t>onal</a:t>
-            </a:r>
-            <a:r>
-              <a:rPr b="0" lang="en-US" sz="1000" spc="-1" strike="noStrike">
-                <a:latin typeface="Arial"/>
-              </a:rPr>
-              <a:t> </a:t>
-            </a:r>
-            <a:r>
-              <a:rPr b="0" lang="en-US" sz="1000" spc="-1" strike="noStrike">
+              <a:rPr b="0" lang="en-US" sz="1000" spc="-1" strike="noStrike" u="sng">
+                <a:solidFill>
+                  <a:srgbClr val="0000ff"/>
+                </a:solidFill>
+                <a:uFillTx/>
                 <a:latin typeface="Arial"/>
                 <a:hlinkClick r:id="rId4"/>
               </a:rPr>
@@ -5297,54 +5063,19 @@
             </a:r>
             <a:r>
               <a:rPr b="0" lang="en-US" sz="1000" spc="-1" strike="noStrike">
+                <a:solidFill>
+                  <a:srgbClr val="0000ff"/>
+                </a:solidFill>
                 <a:latin typeface="Arial"/>
               </a:rPr>
-              <a:t>. </a:t>
+              <a:t>. MongoDB is developed by </a:t>
             </a:r>
             <a:r>
-              <a:rPr b="0" lang="en-US" sz="1000" spc="-1" strike="noStrike">
-                <a:latin typeface="Arial"/>
-              </a:rPr>
-              <a:t>Mon</a:t>
-            </a:r>
-            <a:r>
-              <a:rPr b="0" lang="en-US" sz="1000" spc="-1" strike="noStrike">
-                <a:latin typeface="Arial"/>
-              </a:rPr>
-              <a:t>goD</a:t>
-            </a:r>
-            <a:r>
-              <a:rPr b="0" lang="en-US" sz="1000" spc="-1" strike="noStrike">
-                <a:latin typeface="Arial"/>
-              </a:rPr>
-              <a:t>B is </a:t>
-            </a:r>
-            <a:r>
-              <a:rPr b="0" lang="en-US" sz="1000" spc="-1" strike="noStrike">
-                <a:latin typeface="Arial"/>
-              </a:rPr>
-              <a:t>dev</a:t>
-            </a:r>
-            <a:r>
-              <a:rPr b="0" lang="en-US" sz="1000" spc="-1" strike="noStrike">
-                <a:latin typeface="Arial"/>
-              </a:rPr>
-              <a:t>elop</a:t>
-            </a:r>
-            <a:r>
-              <a:rPr b="0" lang="en-US" sz="1000" spc="-1" strike="noStrike">
-                <a:latin typeface="Arial"/>
-              </a:rPr>
-              <a:t>ed </a:t>
-            </a:r>
-            <a:r>
-              <a:rPr b="0" lang="en-US" sz="1000" spc="-1" strike="noStrike">
-                <a:latin typeface="Arial"/>
-              </a:rPr>
-              <a:t>by </a:t>
-            </a:r>
-            <a:r>
-              <a:rPr b="0" lang="en-US" sz="1000" spc="-1" strike="noStrike">
+              <a:rPr b="0" lang="en-US" sz="1000" spc="-1" strike="noStrike" u="sng">
+                <a:solidFill>
+                  <a:srgbClr val="0000ff"/>
+                </a:solidFill>
+                <a:uFillTx/>
                 <a:latin typeface="Arial"/>
                 <a:hlinkClick r:id="rId5"/>
               </a:rPr>
@@ -5388,7 +5119,411 @@
       </p:grpSpPr>
       <p:sp>
         <p:nvSpPr>
-          <p:cNvPr id="109" name="CustomShape 1"/>
+          <p:cNvPr id="109" name="TextShape 1"/>
+          <p:cNvSpPr txBox="1"/>
+          <p:nvPr/>
+        </p:nvSpPr>
+        <p:spPr>
+          <a:xfrm>
+            <a:off x="2560320" y="1920240"/>
+            <a:ext cx="4504320" cy="346320"/>
+          </a:xfrm>
+          <a:prstGeom prst="rect">
+            <a:avLst/>
+          </a:prstGeom>
+          <a:noFill/>
+          <a:ln>
+            <a:noFill/>
+          </a:ln>
+        </p:spPr>
+        <p:txBody>
+          <a:bodyPr lIns="90000" rIns="90000" tIns="45000" bIns="45000">
+            <a:noAutofit/>
+          </a:bodyPr>
+          <a:p>
+            <a:r>
+              <a:rPr b="0" lang="en-US" sz="1800" spc="-1" strike="noStrike">
+                <a:latin typeface="Arial"/>
+              </a:rPr>
+              <a:t>Create Springboot microservice with mysql</a:t>
+            </a:r>
+            <a:endParaRPr b="0" lang="en-US" sz="1800" spc="-1" strike="noStrike">
+              <a:latin typeface="Arial"/>
+            </a:endParaRPr>
+          </a:p>
+        </p:txBody>
+      </p:sp>
+    </p:spTree>
+  </p:cSld>
+  <mc:AlternateContent>
+    <mc:Choice Requires="p14">
+      <p:transition spd="slow" p14:dur="2000"/>
+    </mc:Choice>
+    <mc:Fallback>
+      <p:transition spd="slow"/>
+    </mc:Fallback>
+  </mc:AlternateContent>
+</p:sld>
+</file>
+
+<file path=ppt/slides/slide21.xml><?xml version="1.0" encoding="utf-8"?>
+<p:sld xmlns:a="http://schemas.openxmlformats.org/drawingml/2006/main" xmlns:p="http://schemas.openxmlformats.org/presentationml/2006/main" xmlns:r="http://schemas.openxmlformats.org/officeDocument/2006/relationships" xmlns:p14="http://schemas.microsoft.com/office/powerpoint/2010/main" xmlns:p15="http://schemas.microsoft.com/office/powerpoint/2012/main" xmlns:mc="http://schemas.openxmlformats.org/markup-compatibility/2006">
+  <p:cSld>
+    <p:spTree>
+      <p:nvGrpSpPr>
+        <p:cNvPr id="1" name=""/>
+        <p:cNvGrpSpPr/>
+        <p:nvPr/>
+      </p:nvGrpSpPr>
+      <p:grpSpPr>
+        <a:xfrm>
+          <a:off x="0" y="0"/>
+          <a:ext cx="0" cy="0"/>
+          <a:chOff x="0" y="0"/>
+          <a:chExt cx="0" cy="0"/>
+        </a:xfrm>
+      </p:grpSpPr>
+      <p:sp>
+        <p:nvSpPr>
+          <p:cNvPr id="110" name="CustomShape 1"/>
+          <p:cNvSpPr/>
+          <p:nvPr/>
+        </p:nvSpPr>
+        <p:spPr>
+          <a:xfrm>
+            <a:off x="2322000" y="1738800"/>
+            <a:ext cx="4568040" cy="3417840"/>
+          </a:xfrm>
+          <a:prstGeom prst="rect">
+            <a:avLst/>
+          </a:prstGeom>
+          <a:noFill/>
+          <a:ln>
+            <a:noFill/>
+          </a:ln>
+        </p:spPr>
+        <p:style>
+          <a:lnRef idx="0"/>
+          <a:fillRef idx="0"/>
+          <a:effectRef idx="0"/>
+          <a:fontRef idx="minor"/>
+        </p:style>
+        <p:txBody>
+          <a:bodyPr lIns="90000" rIns="90000" tIns="45000" bIns="45000">
+            <a:noAutofit/>
+          </a:bodyPr>
+          <a:p>
+            <a:pPr>
+              <a:lnSpc>
+                <a:spcPct val="100000"/>
+              </a:lnSpc>
+            </a:pPr>
+            <a:r>
+              <a:rPr b="0" lang="en-US" sz="1800" spc="-1" strike="noStrike">
+                <a:solidFill>
+                  <a:srgbClr val="000000"/>
+                </a:solidFill>
+                <a:latin typeface="Arial"/>
+                <a:ea typeface="DejaVu Sans"/>
+              </a:rPr>
+              <a:t>Input:</a:t>
+            </a:r>
+            <a:endParaRPr b="0" lang="en-US" sz="1800" spc="-1" strike="noStrike">
+              <a:latin typeface="Arial"/>
+            </a:endParaRPr>
+          </a:p>
+          <a:p>
+            <a:pPr>
+              <a:lnSpc>
+                <a:spcPct val="100000"/>
+              </a:lnSpc>
+            </a:pPr>
+            <a:r>
+              <a:rPr b="0" lang="en-US" sz="1800" spc="-1" strike="noStrike">
+                <a:solidFill>
+                  <a:srgbClr val="000000"/>
+                </a:solidFill>
+                <a:latin typeface="Arial"/>
+                <a:ea typeface="DejaVu Sans"/>
+              </a:rPr>
+              <a:t>Auto message communication :</a:t>
+            </a:r>
+            <a:endParaRPr b="0" lang="en-US" sz="1800" spc="-1" strike="noStrike">
+              <a:latin typeface="Arial"/>
+            </a:endParaRPr>
+          </a:p>
+          <a:p>
+            <a:pPr>
+              <a:lnSpc>
+                <a:spcPct val="100000"/>
+              </a:lnSpc>
+            </a:pPr>
+            <a:endParaRPr b="0" lang="en-US" sz="1800" spc="-1" strike="noStrike">
+              <a:latin typeface="Arial"/>
+            </a:endParaRPr>
+          </a:p>
+          <a:p>
+            <a:pPr>
+              <a:lnSpc>
+                <a:spcPct val="100000"/>
+              </a:lnSpc>
+            </a:pPr>
+            <a:r>
+              <a:rPr b="0" lang="en-US" sz="1800" spc="-1" strike="noStrike">
+                <a:solidFill>
+                  <a:srgbClr val="000000"/>
+                </a:solidFill>
+                <a:latin typeface="Arial"/>
+                <a:ea typeface="DejaVu Sans"/>
+              </a:rPr>
+              <a:t>Message: to,from,content,corelationid(uuid)</a:t>
+            </a:r>
+            <a:endParaRPr b="0" lang="en-US" sz="1800" spc="-1" strike="noStrike">
+              <a:latin typeface="Arial"/>
+            </a:endParaRPr>
+          </a:p>
+          <a:p>
+            <a:pPr>
+              <a:lnSpc>
+                <a:spcPct val="100000"/>
+              </a:lnSpc>
+            </a:pPr>
+            <a:endParaRPr b="0" lang="en-US" sz="1800" spc="-1" strike="noStrike">
+              <a:latin typeface="Arial"/>
+            </a:endParaRPr>
+          </a:p>
+          <a:p>
+            <a:pPr>
+              <a:lnSpc>
+                <a:spcPct val="100000"/>
+              </a:lnSpc>
+            </a:pPr>
+            <a:r>
+              <a:rPr b="0" lang="en-US" sz="1800" spc="-1" strike="noStrike">
+                <a:solidFill>
+                  <a:srgbClr val="000000"/>
+                </a:solidFill>
+                <a:latin typeface="Arial"/>
+                <a:ea typeface="DejaVu Sans"/>
+              </a:rPr>
+              <a:t>Operation:</a:t>
+            </a:r>
+            <a:endParaRPr b="0" lang="en-US" sz="1800" spc="-1" strike="noStrike">
+              <a:latin typeface="Arial"/>
+            </a:endParaRPr>
+          </a:p>
+          <a:p>
+            <a:pPr>
+              <a:lnSpc>
+                <a:spcPct val="100000"/>
+              </a:lnSpc>
+            </a:pPr>
+            <a:r>
+              <a:rPr b="0" lang="en-US" sz="1800" spc="-1" strike="noStrike">
+                <a:solidFill>
+                  <a:srgbClr val="000000"/>
+                </a:solidFill>
+                <a:latin typeface="Arial"/>
+                <a:ea typeface="DejaVu Sans"/>
+              </a:rPr>
+              <a:t>Get</a:t>
+            </a:r>
+            <a:endParaRPr b="0" lang="en-US" sz="1800" spc="-1" strike="noStrike">
+              <a:latin typeface="Arial"/>
+            </a:endParaRPr>
+          </a:p>
+          <a:p>
+            <a:pPr>
+              <a:lnSpc>
+                <a:spcPct val="100000"/>
+              </a:lnSpc>
+            </a:pPr>
+            <a:r>
+              <a:rPr b="0" lang="en-US" sz="1800" spc="-1" strike="noStrike">
+                <a:solidFill>
+                  <a:srgbClr val="000000"/>
+                </a:solidFill>
+                <a:latin typeface="Arial"/>
+                <a:ea typeface="DejaVu Sans"/>
+              </a:rPr>
+              <a:t>Post</a:t>
+            </a:r>
+            <a:endParaRPr b="0" lang="en-US" sz="1800" spc="-1" strike="noStrike">
+              <a:latin typeface="Arial"/>
+            </a:endParaRPr>
+          </a:p>
+          <a:p>
+            <a:pPr>
+              <a:lnSpc>
+                <a:spcPct val="100000"/>
+              </a:lnSpc>
+            </a:pPr>
+            <a:r>
+              <a:rPr b="0" lang="en-US" sz="1800" spc="-1" strike="noStrike">
+                <a:solidFill>
+                  <a:srgbClr val="000000"/>
+                </a:solidFill>
+                <a:latin typeface="Arial"/>
+                <a:ea typeface="DejaVu Sans"/>
+              </a:rPr>
+              <a:t>Put</a:t>
+            </a:r>
+            <a:endParaRPr b="0" lang="en-US" sz="1800" spc="-1" strike="noStrike">
+              <a:latin typeface="Arial"/>
+            </a:endParaRPr>
+          </a:p>
+          <a:p>
+            <a:pPr>
+              <a:lnSpc>
+                <a:spcPct val="100000"/>
+              </a:lnSpc>
+            </a:pPr>
+            <a:r>
+              <a:rPr b="0" lang="en-US" sz="1800" spc="-1" strike="noStrike">
+                <a:solidFill>
+                  <a:srgbClr val="000000"/>
+                </a:solidFill>
+                <a:latin typeface="Arial"/>
+                <a:ea typeface="DejaVu Sans"/>
+              </a:rPr>
+              <a:t>Delete</a:t>
+            </a:r>
+            <a:endParaRPr b="0" lang="en-US" sz="1800" spc="-1" strike="noStrike">
+              <a:latin typeface="Arial"/>
+            </a:endParaRPr>
+          </a:p>
+          <a:p>
+            <a:pPr>
+              <a:lnSpc>
+                <a:spcPct val="100000"/>
+              </a:lnSpc>
+            </a:pPr>
+            <a:endParaRPr b="0" lang="en-US" sz="1800" spc="-1" strike="noStrike">
+              <a:latin typeface="Arial"/>
+            </a:endParaRPr>
+          </a:p>
+          <a:p>
+            <a:pPr>
+              <a:lnSpc>
+                <a:spcPct val="100000"/>
+              </a:lnSpc>
+            </a:pPr>
+            <a:r>
+              <a:rPr b="0" lang="en-US" sz="1800" spc="-1" strike="noStrike">
+                <a:solidFill>
+                  <a:srgbClr val="000000"/>
+                </a:solidFill>
+                <a:latin typeface="Arial"/>
+                <a:ea typeface="DejaVu Sans"/>
+              </a:rPr>
+              <a:t>Run and test through curl and postman</a:t>
+            </a:r>
+            <a:endParaRPr b="0" lang="en-US" sz="1800" spc="-1" strike="noStrike">
+              <a:latin typeface="Arial"/>
+            </a:endParaRPr>
+          </a:p>
+          <a:p>
+            <a:pPr>
+              <a:lnSpc>
+                <a:spcPct val="100000"/>
+              </a:lnSpc>
+            </a:pPr>
+            <a:r>
+              <a:rPr b="0" lang="en-US" sz="1800" spc="-1" strike="noStrike">
+                <a:solidFill>
+                  <a:srgbClr val="000000"/>
+                </a:solidFill>
+                <a:latin typeface="Arial"/>
+                <a:ea typeface="DejaVu Sans"/>
+              </a:rPr>
+              <a:t>   </a:t>
+            </a:r>
+            <a:endParaRPr b="0" lang="en-US" sz="1800" spc="-1" strike="noStrike">
+              <a:latin typeface="Arial"/>
+            </a:endParaRPr>
+          </a:p>
+        </p:txBody>
+      </p:sp>
+      <p:sp>
+        <p:nvSpPr>
+          <p:cNvPr id="111" name="CustomShape 2"/>
+          <p:cNvSpPr/>
+          <p:nvPr/>
+        </p:nvSpPr>
+        <p:spPr>
+          <a:xfrm>
+            <a:off x="457200" y="1005840"/>
+            <a:ext cx="7663320" cy="345960"/>
+          </a:xfrm>
+          <a:prstGeom prst="rect">
+            <a:avLst/>
+          </a:prstGeom>
+          <a:noFill/>
+          <a:ln>
+            <a:noFill/>
+          </a:ln>
+        </p:spPr>
+        <p:style>
+          <a:lnRef idx="0"/>
+          <a:fillRef idx="0"/>
+          <a:effectRef idx="0"/>
+          <a:fontRef idx="minor"/>
+        </p:style>
+        <p:txBody>
+          <a:bodyPr lIns="90000" rIns="90000" tIns="45000" bIns="45000">
+            <a:noAutofit/>
+          </a:bodyPr>
+          <a:p>
+            <a:pPr>
+              <a:lnSpc>
+                <a:spcPct val="100000"/>
+              </a:lnSpc>
+            </a:pPr>
+            <a:r>
+              <a:rPr b="0" lang="en-US" sz="1800" spc="-1" strike="noStrike">
+                <a:latin typeface="Arial"/>
+              </a:rPr>
+              <a:t>Create a springboot project which store the message data in to mongo db </a:t>
+            </a:r>
+            <a:endParaRPr b="0" lang="en-US" sz="1800" spc="-1" strike="noStrike">
+              <a:latin typeface="Arial"/>
+            </a:endParaRPr>
+          </a:p>
+        </p:txBody>
+      </p:sp>
+    </p:spTree>
+  </p:cSld>
+  <mc:AlternateContent>
+    <mc:Choice Requires="p14">
+      <p:transition spd="slow" p14:dur="2000"/>
+    </mc:Choice>
+    <mc:Fallback>
+      <p:transition spd="slow"/>
+    </mc:Fallback>
+  </mc:AlternateContent>
+</p:sld>
+</file>
+
+<file path=ppt/slides/slide22.xml><?xml version="1.0" encoding="utf-8"?>
+<p:sld xmlns:a="http://schemas.openxmlformats.org/drawingml/2006/main" xmlns:p="http://schemas.openxmlformats.org/presentationml/2006/main" xmlns:r="http://schemas.openxmlformats.org/officeDocument/2006/relationships" xmlns:p14="http://schemas.microsoft.com/office/powerpoint/2010/main" xmlns:p15="http://schemas.microsoft.com/office/powerpoint/2012/main" xmlns:mc="http://schemas.openxmlformats.org/markup-compatibility/2006">
+  <p:cSld>
+    <p:spTree>
+      <p:nvGrpSpPr>
+        <p:cNvPr id="1" name=""/>
+        <p:cNvGrpSpPr/>
+        <p:nvPr/>
+      </p:nvGrpSpPr>
+      <p:grpSpPr>
+        <a:xfrm>
+          <a:off x="0" y="0"/>
+          <a:ext cx="0" cy="0"/>
+          <a:chOff x="0" y="0"/>
+          <a:chExt cx="0" cy="0"/>
+        </a:xfrm>
+      </p:grpSpPr>
+      <p:sp>
+        <p:nvSpPr>
+          <p:cNvPr id="112" name="CustomShape 1"/>
           <p:cNvSpPr/>
           <p:nvPr/>
         </p:nvSpPr>
@@ -5531,7 +5666,7 @@
         <p:spPr>
           <a:xfrm>
             <a:off x="240480" y="1828800"/>
-            <a:ext cx="8080560" cy="3269520"/>
+            <a:ext cx="8080200" cy="3269160"/>
           </a:xfrm>
           <a:prstGeom prst="rect">
             <a:avLst/>
@@ -5580,7 +5715,7 @@
         <p:spPr>
           <a:xfrm>
             <a:off x="2427120" y="3136320"/>
-            <a:ext cx="4357440" cy="622080"/>
+            <a:ext cx="4357080" cy="621720"/>
           </a:xfrm>
           <a:prstGeom prst="rect">
             <a:avLst/>
@@ -5665,7 +5800,7 @@
         <p:spPr>
           <a:xfrm>
             <a:off x="34200" y="2420280"/>
-            <a:ext cx="9143640" cy="3078000"/>
+            <a:ext cx="9143280" cy="3077640"/>
           </a:xfrm>
           <a:prstGeom prst="rect">
             <a:avLst/>
@@ -5718,7 +5853,7 @@
         <p:spPr>
           <a:xfrm>
             <a:off x="182880" y="222120"/>
-            <a:ext cx="9052560" cy="2703960"/>
+            <a:ext cx="9052200" cy="2703600"/>
           </a:xfrm>
           <a:prstGeom prst="rect">
             <a:avLst/>
@@ -5741,7 +5876,7 @@
         <p:spPr>
           <a:xfrm>
             <a:off x="387360" y="3360600"/>
-            <a:ext cx="8595360" cy="2511000"/>
+            <a:ext cx="8595000" cy="2510640"/>
           </a:xfrm>
           <a:prstGeom prst="rect">
             <a:avLst/>
@@ -5794,7 +5929,7 @@
         <p:spPr>
           <a:xfrm>
             <a:off x="260280" y="182880"/>
-            <a:ext cx="7969320" cy="6003000"/>
+            <a:ext cx="7968960" cy="6002640"/>
           </a:xfrm>
           <a:prstGeom prst="rect">
             <a:avLst/>
@@ -5847,7 +5982,7 @@
         <p:spPr>
           <a:xfrm>
             <a:off x="34200" y="34920"/>
-            <a:ext cx="9143640" cy="6825240"/>
+            <a:ext cx="9143280" cy="6824880"/>
           </a:xfrm>
           <a:prstGeom prst="rect">
             <a:avLst/>
@@ -5896,7 +6031,7 @@
         <p:spPr>
           <a:xfrm>
             <a:off x="1371600" y="1554480"/>
-            <a:ext cx="5851440" cy="1153800"/>
+            <a:ext cx="5851080" cy="1153440"/>
           </a:xfrm>
           <a:prstGeom prst="rect">
             <a:avLst/>

--- a/Day3/spring-boot-database.pptx
+++ b/Day3/spring-boot-database.pptx
@@ -31,6 +31,7 @@
     <p:sldId id="275" r:id="rId24"/>
     <p:sldId id="276" r:id="rId25"/>
     <p:sldId id="277" r:id="rId26"/>
+    <p:sldId id="278" r:id="rId27"/>
   </p:sldIdLst>
   <p:sldSz cx="9144000" cy="6858000"/>
   <p:notesSz cx="6858000" cy="9144000"/>
@@ -261,7 +262,7 @@
           </a:bodyPr>
           <a:p>
             <a:pPr algn="r"/>
-            <a:fld id="{F3AA7533-0D5F-4DB8-8AC7-61564693CCE4}" type="slidenum">
+            <a:fld id="{F90683DA-9DCD-49FE-9F7A-D9794C552762}" type="slidenum">
               <a:rPr b="0" lang="en-US" sz="1400" spc="-1" strike="noStrike">
                 <a:latin typeface="Times New Roman"/>
               </a:rPr>
@@ -298,7 +299,7 @@
       </p:grpSpPr>
       <p:sp>
         <p:nvSpPr>
-          <p:cNvPr id="119" name="PlaceHolder 1"/>
+          <p:cNvPr id="120" name="PlaceHolder 1"/>
           <p:cNvSpPr>
             <a:spLocks noGrp="1"/>
           </p:cNvSpPr>
@@ -318,7 +319,7 @@
       </p:sp>
       <p:sp>
         <p:nvSpPr>
-          <p:cNvPr id="120" name="PlaceHolder 2"/>
+          <p:cNvPr id="121" name="PlaceHolder 2"/>
           <p:cNvSpPr>
             <a:spLocks noGrp="1"/>
           </p:cNvSpPr>
@@ -348,7 +349,7 @@
       </p:sp>
       <p:sp>
         <p:nvSpPr>
-          <p:cNvPr id="121" name="CustomShape 3"/>
+          <p:cNvPr id="122" name="CustomShape 3"/>
           <p:cNvSpPr/>
           <p:nvPr/>
         </p:nvSpPr>
@@ -381,7 +382,7 @@
                 <a:spcPct val="100000"/>
               </a:lnSpc>
             </a:pPr>
-            <a:fld id="{E4E2D74E-F668-4B98-8B7A-9A3428E8BBF3}" type="slidenum">
+            <a:fld id="{E8178066-EC3B-436B-A40B-6B299E906384}" type="slidenum">
               <a:rPr b="0" lang="en-US" sz="1200" spc="-1" strike="noStrike">
                 <a:solidFill>
                   <a:srgbClr val="000000"/>
@@ -421,7 +422,7 @@
       </p:grpSpPr>
       <p:sp>
         <p:nvSpPr>
-          <p:cNvPr id="113" name="PlaceHolder 1"/>
+          <p:cNvPr id="114" name="PlaceHolder 1"/>
           <p:cNvSpPr>
             <a:spLocks noGrp="1"/>
           </p:cNvSpPr>
@@ -441,7 +442,7 @@
       </p:sp>
       <p:sp>
         <p:nvSpPr>
-          <p:cNvPr id="114" name="PlaceHolder 2"/>
+          <p:cNvPr id="115" name="PlaceHolder 2"/>
           <p:cNvSpPr>
             <a:spLocks noGrp="1"/>
           </p:cNvSpPr>
@@ -471,7 +472,7 @@
       </p:sp>
       <p:sp>
         <p:nvSpPr>
-          <p:cNvPr id="115" name="CustomShape 3"/>
+          <p:cNvPr id="116" name="CustomShape 3"/>
           <p:cNvSpPr/>
           <p:nvPr/>
         </p:nvSpPr>
@@ -504,7 +505,7 @@
                 <a:spcPct val="100000"/>
               </a:lnSpc>
             </a:pPr>
-            <a:fld id="{AFEF4410-3E1C-42C6-B195-BB80C4C2DE5F}" type="slidenum">
+            <a:fld id="{40EEEF1E-3CD7-492A-90AA-3DE003626567}" type="slidenum">
               <a:rPr b="0" lang="en-US" sz="1200" spc="-1" strike="noStrike">
                 <a:solidFill>
                   <a:srgbClr val="000000"/>
@@ -512,7 +513,7 @@
                 <a:latin typeface="+mn-lt"/>
                 <a:ea typeface="+mn-ea"/>
               </a:rPr>
-              <a:t>&lt;number&gt;</a:t>
+              <a:t>1</a:t>
             </a:fld>
             <a:endParaRPr b="0" lang="en-US" sz="1200" spc="-1" strike="noStrike">
               <a:latin typeface="Arial"/>
@@ -544,7 +545,7 @@
       </p:grpSpPr>
       <p:sp>
         <p:nvSpPr>
-          <p:cNvPr id="116" name="PlaceHolder 1"/>
+          <p:cNvPr id="117" name="PlaceHolder 1"/>
           <p:cNvSpPr>
             <a:spLocks noGrp="1"/>
           </p:cNvSpPr>
@@ -564,7 +565,7 @@
       </p:sp>
       <p:sp>
         <p:nvSpPr>
-          <p:cNvPr id="117" name="PlaceHolder 2"/>
+          <p:cNvPr id="118" name="PlaceHolder 2"/>
           <p:cNvSpPr>
             <a:spLocks noGrp="1"/>
           </p:cNvSpPr>
@@ -594,7 +595,7 @@
       </p:sp>
       <p:sp>
         <p:nvSpPr>
-          <p:cNvPr id="118" name="CustomShape 3"/>
+          <p:cNvPr id="119" name="CustomShape 3"/>
           <p:cNvSpPr/>
           <p:nvPr/>
         </p:nvSpPr>
@@ -627,7 +628,7 @@
                 <a:spcPct val="100000"/>
               </a:lnSpc>
             </a:pPr>
-            <a:fld id="{7B8C0C97-692E-46E9-B185-66502ADDDEBA}" type="slidenum">
+            <a:fld id="{11F775E1-1527-49FD-961D-E65AEBD60E99}" type="slidenum">
               <a:rPr b="0" lang="en-US" sz="1200" spc="-1" strike="noStrike">
                 <a:solidFill>
                   <a:srgbClr val="000000"/>
@@ -3413,13 +3414,13 @@
               <a:rPr b="0" lang="en-US" sz="4400" spc="-1" strike="noStrike">
                 <a:latin typeface="Arial"/>
               </a:rPr>
-              <a:t>Click to edit the </a:t>
+              <a:t>Click to edit the title text </a:t>
             </a:r>
             <a:r>
               <a:rPr b="0" lang="en-US" sz="4400" spc="-1" strike="noStrike">
                 <a:latin typeface="Arial"/>
               </a:rPr>
-              <a:t>title text format</a:t>
+              <a:t>format</a:t>
             </a:r>
             <a:endParaRPr b="0" lang="en-US" sz="4400" spc="-1" strike="noStrike">
               <a:latin typeface="Arial"/>
@@ -3679,7 +3680,13 @@
               <a:rPr b="0" lang="en-US" sz="4400" spc="-1" strike="noStrike">
                 <a:latin typeface="Arial"/>
               </a:rPr>
-              <a:t>Click to edit the title text format</a:t>
+              <a:t>Click to edit the </a:t>
+            </a:r>
+            <a:r>
+              <a:rPr b="0" lang="en-US" sz="4400" spc="-1" strike="noStrike">
+                <a:latin typeface="Arial"/>
+              </a:rPr>
+              <a:t>title text format</a:t>
             </a:r>
             <a:endParaRPr b="0" lang="en-US" sz="4400" spc="-1" strike="noStrike">
               <a:latin typeface="Arial"/>
@@ -5483,7 +5490,7 @@
               <a:rPr b="0" lang="en-US" sz="1800" spc="-1" strike="noStrike">
                 <a:latin typeface="Arial"/>
               </a:rPr>
-              <a:t>Create a springboot project which store the message data in to mongo db </a:t>
+              <a:t>Create a springboot project which store the message data in to mysql db </a:t>
             </a:r>
             <a:endParaRPr b="0" lang="en-US" sz="1800" spc="-1" strike="noStrike">
               <a:latin typeface="Arial"/>
@@ -5523,7 +5530,78 @@
       </p:grpSpPr>
       <p:sp>
         <p:nvSpPr>
-          <p:cNvPr id="112" name="CustomShape 1"/>
+          <p:cNvPr id="112" name="TextShape 1"/>
+          <p:cNvSpPr txBox="1"/>
+          <p:nvPr/>
+        </p:nvSpPr>
+        <p:spPr>
+          <a:xfrm>
+            <a:off x="1280160" y="2286000"/>
+            <a:ext cx="7206480" cy="602280"/>
+          </a:xfrm>
+          <a:prstGeom prst="rect">
+            <a:avLst/>
+          </a:prstGeom>
+          <a:noFill/>
+          <a:ln>
+            <a:noFill/>
+          </a:ln>
+        </p:spPr>
+        <p:txBody>
+          <a:bodyPr lIns="90000" rIns="90000" tIns="45000" bIns="45000">
+            <a:noAutofit/>
+          </a:bodyPr>
+          <a:p>
+            <a:r>
+              <a:rPr b="0" lang="en-US" sz="1800" spc="-1" strike="noStrike">
+                <a:latin typeface="Arial"/>
+              </a:rPr>
+              <a:t>Create the docker image for bothe application and test with database.</a:t>
+            </a:r>
+            <a:endParaRPr b="0" lang="en-US" sz="1800" spc="-1" strike="noStrike">
+              <a:latin typeface="Arial"/>
+            </a:endParaRPr>
+          </a:p>
+          <a:p>
+            <a:endParaRPr b="0" lang="en-US" sz="1800" spc="-1" strike="noStrike">
+              <a:latin typeface="Arial"/>
+            </a:endParaRPr>
+          </a:p>
+        </p:txBody>
+      </p:sp>
+    </p:spTree>
+  </p:cSld>
+  <mc:AlternateContent>
+    <mc:Choice Requires="p14">
+      <p:transition spd="slow" p14:dur="2000"/>
+    </mc:Choice>
+    <mc:Fallback>
+      <p:transition spd="slow"/>
+    </mc:Fallback>
+  </mc:AlternateContent>
+</p:sld>
+</file>
+
+<file path=ppt/slides/slide23.xml><?xml version="1.0" encoding="utf-8"?>
+<p:sld xmlns:a="http://schemas.openxmlformats.org/drawingml/2006/main" xmlns:p="http://schemas.openxmlformats.org/presentationml/2006/main" xmlns:r="http://schemas.openxmlformats.org/officeDocument/2006/relationships" xmlns:p14="http://schemas.microsoft.com/office/powerpoint/2010/main" xmlns:p15="http://schemas.microsoft.com/office/powerpoint/2012/main" xmlns:mc="http://schemas.openxmlformats.org/markup-compatibility/2006">
+  <p:cSld>
+    <p:spTree>
+      <p:nvGrpSpPr>
+        <p:cNvPr id="1" name=""/>
+        <p:cNvGrpSpPr/>
+        <p:nvPr/>
+      </p:nvGrpSpPr>
+      <p:grpSpPr>
+        <a:xfrm>
+          <a:off x="0" y="0"/>
+          <a:ext cx="0" cy="0"/>
+          <a:chOff x="0" y="0"/>
+          <a:chExt cx="0" cy="0"/>
+        </a:xfrm>
+      </p:grpSpPr>
+      <p:sp>
+        <p:nvSpPr>
+          <p:cNvPr id="113" name="CustomShape 1"/>
           <p:cNvSpPr/>
           <p:nvPr/>
         </p:nvSpPr>
